--- a/Figure-4-6/Figure46/Figure46_blog.pptx
+++ b/Figure-4-6/Figure46/Figure46_blog.pptx
@@ -705,6 +705,300 @@
             <a:r>
               <a:rPr/>
               <a:t>2020-21</a:t>
+            </a:r>
+          </a:p>
+          <a:p>
+            <a:pPr lvl="0" marL="0" indent="0">
+              <a:buNone/>
+            </a:pPr>
+          </a:p>
+          <a:p>
+            <a:pPr lvl="0" marL="0" indent="0">
+              <a:buNone/>
+            </a:pPr>
+            <a:r>
+              <a:rPr/>
+              <a:t>Notes:</a:t>
+            </a:r>
+            <a:r>
+              <a:rPr/>
+              <a:t> </a:t>
+            </a:r>
+            <a:r>
+              <a:rPr/>
+              <a:t>Projections</a:t>
+            </a:r>
+            <a:r>
+              <a:rPr/>
+              <a:t> </a:t>
+            </a:r>
+            <a:r>
+              <a:rPr/>
+              <a:t>to</a:t>
+            </a:r>
+            <a:r>
+              <a:rPr/>
+              <a:t> </a:t>
+            </a:r>
+            <a:r>
+              <a:rPr/>
+              <a:t>2020-21</a:t>
+            </a:r>
+            <a:r>
+              <a:rPr/>
+              <a:t> </a:t>
+            </a:r>
+            <a:r>
+              <a:rPr/>
+              <a:t>assume</a:t>
+            </a:r>
+            <a:r>
+              <a:rPr/>
+              <a:t> </a:t>
+            </a:r>
+            <a:r>
+              <a:rPr/>
+              <a:t>2%</a:t>
+            </a:r>
+            <a:r>
+              <a:rPr/>
+              <a:t> </a:t>
+            </a:r>
+            <a:r>
+              <a:rPr/>
+              <a:t>wage</a:t>
+            </a:r>
+            <a:r>
+              <a:rPr/>
+              <a:t> </a:t>
+            </a:r>
+            <a:r>
+              <a:rPr/>
+              <a:t>growth</a:t>
+            </a:r>
+            <a:r>
+              <a:rPr/>
+              <a:t> </a:t>
+            </a:r>
+            <a:r>
+              <a:rPr/>
+              <a:t>and</a:t>
+            </a:r>
+            <a:r>
+              <a:rPr/>
+              <a:t> </a:t>
+            </a:r>
+            <a:r>
+              <a:rPr/>
+              <a:t>0%</a:t>
+            </a:r>
+            <a:r>
+              <a:rPr/>
+              <a:t> </a:t>
+            </a:r>
+            <a:r>
+              <a:rPr/>
+              <a:t>growth</a:t>
+            </a:r>
+            <a:r>
+              <a:rPr/>
+              <a:t> </a:t>
+            </a:r>
+            <a:r>
+              <a:rPr/>
+              <a:t>in</a:t>
+            </a:r>
+            <a:r>
+              <a:rPr/>
+              <a:t> </a:t>
+            </a:r>
+            <a:r>
+              <a:rPr/>
+              <a:t>the</a:t>
+            </a:r>
+            <a:r>
+              <a:rPr/>
+              <a:t> </a:t>
+            </a:r>
+            <a:r>
+              <a:rPr/>
+              <a:t>number</a:t>
+            </a:r>
+            <a:r>
+              <a:rPr/>
+              <a:t> </a:t>
+            </a:r>
+            <a:r>
+              <a:rPr/>
+              <a:t>of</a:t>
+            </a:r>
+            <a:r>
+              <a:rPr/>
+              <a:t> </a:t>
+            </a:r>
+            <a:r>
+              <a:rPr/>
+              <a:t>taxfilers</a:t>
+            </a:r>
+            <a:r>
+              <a:rPr/>
+              <a:t> </a:t>
+            </a:r>
+            <a:r>
+              <a:rPr/>
+              <a:t>from</a:t>
+            </a:r>
+            <a:r>
+              <a:rPr/>
+              <a:t> </a:t>
+            </a:r>
+            <a:r>
+              <a:rPr/>
+              <a:t>2019-20</a:t>
+            </a:r>
+            <a:r>
+              <a:rPr/>
+              <a:t> </a:t>
+            </a:r>
+            <a:r>
+              <a:rPr/>
+              <a:t>to</a:t>
+            </a:r>
+            <a:r>
+              <a:rPr/>
+              <a:t> </a:t>
+            </a:r>
+            <a:r>
+              <a:rPr/>
+              <a:t>2020-21.</a:t>
+            </a:r>
+            <a:r>
+              <a:rPr/>
+              <a:t> </a:t>
+            </a:r>
+            <a:r>
+              <a:rPr/>
+              <a:t>Non-voluntary</a:t>
+            </a:r>
+            <a:r>
+              <a:rPr/>
+              <a:t> </a:t>
+            </a:r>
+            <a:r>
+              <a:rPr/>
+              <a:t>component</a:t>
+            </a:r>
+            <a:r>
+              <a:rPr/>
+              <a:t> </a:t>
+            </a:r>
+            <a:r>
+              <a:rPr/>
+              <a:t>means</a:t>
+            </a:r>
+            <a:r>
+              <a:rPr/>
+              <a:t> </a:t>
+            </a:r>
+            <a:r>
+              <a:rPr/>
+              <a:t>employer</a:t>
+            </a:r>
+            <a:r>
+              <a:rPr/>
+              <a:t> </a:t>
+            </a:r>
+            <a:r>
+              <a:rPr/>
+              <a:t>contributions</a:t>
+            </a:r>
+            <a:r>
+              <a:rPr/>
+              <a:t> </a:t>
+            </a:r>
+            <a:r>
+              <a:rPr/>
+              <a:t>less</a:t>
+            </a:r>
+            <a:r>
+              <a:rPr/>
+              <a:t> </a:t>
+            </a:r>
+            <a:r>
+              <a:rPr/>
+              <a:t>reportable</a:t>
+            </a:r>
+            <a:r>
+              <a:rPr/>
+              <a:t> </a:t>
+            </a:r>
+            <a:r>
+              <a:rPr/>
+              <a:t>employer</a:t>
+            </a:r>
+            <a:r>
+              <a:rPr/>
+              <a:t> </a:t>
+            </a:r>
+            <a:r>
+              <a:rPr/>
+              <a:t>super</a:t>
+            </a:r>
+            <a:r>
+              <a:rPr/>
+              <a:t> </a:t>
+            </a:r>
+            <a:r>
+              <a:rPr/>
+              <a:t>contributions.</a:t>
+            </a:r>
+            <a:r>
+              <a:rPr/>
+              <a:t> </a:t>
+            </a:r>
+            <a:r>
+              <a:rPr/>
+              <a:t>Source:</a:t>
+            </a:r>
+            <a:r>
+              <a:rPr/>
+              <a:t> </a:t>
+            </a:r>
+            <a:r>
+              <a:rPr/>
+              <a:t>ATO</a:t>
+            </a:r>
+            <a:r>
+              <a:rPr/>
+              <a:t> </a:t>
+            </a:r>
+            <a:r>
+              <a:rPr/>
+              <a:t>2017-18</a:t>
+            </a:r>
+            <a:r>
+              <a:rPr/>
+              <a:t> </a:t>
+            </a:r>
+            <a:r>
+              <a:rPr/>
+              <a:t>2%</a:t>
+            </a:r>
+            <a:r>
+              <a:rPr/>
+              <a:t> </a:t>
+            </a:r>
+            <a:r>
+              <a:rPr/>
+              <a:t>sample</a:t>
+            </a:r>
+            <a:r>
+              <a:rPr/>
+              <a:t> </a:t>
+            </a:r>
+            <a:r>
+              <a:rPr/>
+              <a:t>file</a:t>
             </a:r>
           </a:p>
           <a:p>
@@ -4229,7 +4523,7 @@
           <p:spPr>
             <a:xfrm>
               <a:off x="1009845" y="1716581"/>
-              <a:ext cx="3873973" cy="4450217"/>
+              <a:ext cx="3873973" cy="3868864"/>
             </a:xfrm>
             <a:prstGeom prst="rect">
               <a:avLst/>
@@ -4254,7 +4548,7 @@
           </p:nvSpPr>
           <p:spPr>
             <a:xfrm>
-              <a:off x="1009845" y="6166799"/>
+              <a:off x="1009845" y="5585446"/>
               <a:ext cx="3873973" cy="0"/>
             </a:xfrm>
             <a:custGeom>
@@ -4297,7 +4591,7 @@
           </p:nvSpPr>
           <p:spPr>
             <a:xfrm>
-              <a:off x="1009845" y="5059845"/>
+              <a:off x="1009845" y="4623099"/>
               <a:ext cx="3873973" cy="0"/>
             </a:xfrm>
             <a:custGeom>
@@ -4340,7 +4634,7 @@
           </p:nvSpPr>
           <p:spPr>
             <a:xfrm>
-              <a:off x="1009845" y="3952891"/>
+              <a:off x="1009845" y="3660751"/>
               <a:ext cx="3873973" cy="0"/>
             </a:xfrm>
             <a:custGeom>
@@ -4383,7 +4677,7 @@
           </p:nvSpPr>
           <p:spPr>
             <a:xfrm>
-              <a:off x="1009845" y="2845937"/>
+              <a:off x="1009845" y="2698404"/>
               <a:ext cx="3873973" cy="0"/>
             </a:xfrm>
             <a:custGeom>
@@ -4426,7 +4720,7 @@
           </p:nvSpPr>
           <p:spPr>
             <a:xfrm>
-              <a:off x="1009845" y="1738983"/>
+              <a:off x="1009845" y="1736056"/>
               <a:ext cx="3873973" cy="0"/>
             </a:xfrm>
             <a:custGeom>
@@ -4469,8 +4763,8 @@
           </p:nvSpPr>
           <p:spPr>
             <a:xfrm>
-              <a:off x="1066815" y="6135854"/>
-              <a:ext cx="341821" cy="14326"/>
+              <a:off x="1066815" y="5558544"/>
+              <a:ext cx="341821" cy="12454"/>
             </a:xfrm>
             <a:prstGeom prst="rect">
               <a:avLst/>
@@ -4504,8 +4798,8 @@
           </p:nvSpPr>
           <p:spPr>
             <a:xfrm>
-              <a:off x="1066815" y="6150180"/>
-              <a:ext cx="341821" cy="16618"/>
+              <a:off x="1066815" y="5570999"/>
+              <a:ext cx="341821" cy="14447"/>
             </a:xfrm>
             <a:prstGeom prst="rect">
               <a:avLst/>
@@ -4539,8 +4833,8 @@
           </p:nvSpPr>
           <p:spPr>
             <a:xfrm>
-              <a:off x="1446616" y="6126112"/>
-              <a:ext cx="341821" cy="7449"/>
+              <a:off x="1446616" y="5550074"/>
+              <a:ext cx="341821" cy="6476"/>
             </a:xfrm>
             <a:prstGeom prst="rect">
               <a:avLst/>
@@ -4574,8 +4868,8 @@
           </p:nvSpPr>
           <p:spPr>
             <a:xfrm>
-              <a:off x="1446616" y="6133562"/>
-              <a:ext cx="341821" cy="33237"/>
+              <a:off x="1446616" y="5556551"/>
+              <a:ext cx="341821" cy="28895"/>
             </a:xfrm>
             <a:prstGeom prst="rect">
               <a:avLst/>
@@ -4609,8 +4903,8 @@
           </p:nvSpPr>
           <p:spPr>
             <a:xfrm>
-              <a:off x="1826418" y="6101184"/>
-              <a:ext cx="341821" cy="12320"/>
+              <a:off x="1826418" y="5528403"/>
+              <a:ext cx="341821" cy="10711"/>
             </a:xfrm>
             <a:prstGeom prst="rect">
               <a:avLst/>
@@ -4644,8 +4938,8 @@
           </p:nvSpPr>
           <p:spPr>
             <a:xfrm>
-              <a:off x="1826418" y="6113505"/>
-              <a:ext cx="341821" cy="53294"/>
+              <a:off x="1826418" y="5539114"/>
+              <a:ext cx="341821" cy="46332"/>
             </a:xfrm>
             <a:prstGeom prst="rect">
               <a:avLst/>
@@ -4679,8 +4973,8 @@
           </p:nvSpPr>
           <p:spPr>
             <a:xfrm>
-              <a:off x="2206219" y="6053907"/>
-              <a:ext cx="341821" cy="22349"/>
+              <a:off x="2206219" y="5487302"/>
+              <a:ext cx="341821" cy="19429"/>
             </a:xfrm>
             <a:prstGeom prst="rect">
               <a:avLst/>
@@ -4714,8 +5008,8 @@
           </p:nvSpPr>
           <p:spPr>
             <a:xfrm>
-              <a:off x="2206219" y="6076256"/>
-              <a:ext cx="341821" cy="90542"/>
+              <a:off x="2206219" y="5506732"/>
+              <a:ext cx="341821" cy="78714"/>
             </a:xfrm>
             <a:prstGeom prst="rect">
               <a:avLst/>
@@ -4749,8 +5043,8 @@
           </p:nvSpPr>
           <p:spPr>
             <a:xfrm>
-              <a:off x="2586020" y="6015799"/>
-              <a:ext cx="341821" cy="31804"/>
+              <a:off x="2586020" y="5454172"/>
+              <a:ext cx="341821" cy="27649"/>
             </a:xfrm>
             <a:prstGeom prst="rect">
               <a:avLst/>
@@ -4784,8 +5078,8 @@
           </p:nvSpPr>
           <p:spPr>
             <a:xfrm>
-              <a:off x="2586020" y="6047603"/>
-              <a:ext cx="341821" cy="119195"/>
+              <a:off x="2586020" y="5481822"/>
+              <a:ext cx="341821" cy="103624"/>
             </a:xfrm>
             <a:prstGeom prst="rect">
               <a:avLst/>
@@ -4819,8 +5113,8 @@
           </p:nvSpPr>
           <p:spPr>
             <a:xfrm>
-              <a:off x="2965822" y="5994596"/>
-              <a:ext cx="341821" cy="40400"/>
+              <a:off x="2965822" y="5435739"/>
+              <a:ext cx="341821" cy="35122"/>
             </a:xfrm>
             <a:prstGeom prst="rect">
               <a:avLst/>
@@ -4854,8 +5148,8 @@
           </p:nvSpPr>
           <p:spPr>
             <a:xfrm>
-              <a:off x="2965822" y="6034996"/>
-              <a:ext cx="341821" cy="131802"/>
+              <a:off x="2965822" y="5470861"/>
+              <a:ext cx="341821" cy="114584"/>
             </a:xfrm>
             <a:prstGeom prst="rect">
               <a:avLst/>
@@ -4889,8 +5183,8 @@
           </p:nvSpPr>
           <p:spPr>
             <a:xfrm>
-              <a:off x="3345623" y="5844168"/>
-              <a:ext cx="341821" cy="87391"/>
+              <a:off x="3345623" y="5304963"/>
+              <a:ext cx="341821" cy="75974"/>
             </a:xfrm>
             <a:prstGeom prst="rect">
               <a:avLst/>
@@ -4924,8 +5218,8 @@
           </p:nvSpPr>
           <p:spPr>
             <a:xfrm>
-              <a:off x="3345623" y="5931559"/>
-              <a:ext cx="341821" cy="235239"/>
+              <a:off x="3345623" y="5380937"/>
+              <a:ext cx="341821" cy="204509"/>
             </a:xfrm>
             <a:prstGeom prst="rect">
               <a:avLst/>
@@ -4959,8 +5253,8 @@
           </p:nvSpPr>
           <p:spPr>
             <a:xfrm>
-              <a:off x="3725424" y="5506352"/>
-              <a:ext cx="341821" cy="284522"/>
+              <a:off x="3725424" y="5011277"/>
+              <a:ext cx="341821" cy="247353"/>
             </a:xfrm>
             <a:prstGeom prst="rect">
               <a:avLst/>
@@ -4994,8 +5288,8 @@
           </p:nvSpPr>
           <p:spPr>
             <a:xfrm>
-              <a:off x="3725424" y="5790874"/>
-              <a:ext cx="341821" cy="375924"/>
+              <a:off x="3725424" y="5258630"/>
+              <a:ext cx="341821" cy="326815"/>
             </a:xfrm>
             <a:prstGeom prst="rect">
               <a:avLst/>
@@ -5029,8 +5323,8 @@
           </p:nvSpPr>
           <p:spPr>
             <a:xfrm>
-              <a:off x="4105226" y="4408663"/>
-              <a:ext cx="341821" cy="1314017"/>
+              <a:off x="4105226" y="4056984"/>
+              <a:ext cx="341821" cy="1142361"/>
             </a:xfrm>
             <a:prstGeom prst="rect">
               <a:avLst/>
@@ -5064,8 +5358,8 @@
           </p:nvSpPr>
           <p:spPr>
             <a:xfrm>
-              <a:off x="4105226" y="5722681"/>
-              <a:ext cx="341821" cy="444118"/>
+              <a:off x="4105226" y="5199345"/>
+              <a:ext cx="341821" cy="386101"/>
             </a:xfrm>
             <a:prstGeom prst="rect">
               <a:avLst/>
@@ -5099,8 +5393,8 @@
           </p:nvSpPr>
           <p:spPr>
             <a:xfrm>
-              <a:off x="4485027" y="1782348"/>
-              <a:ext cx="341821" cy="3934028"/>
+              <a:off x="4485027" y="1773757"/>
+              <a:ext cx="341821" cy="3420108"/>
             </a:xfrm>
             <a:prstGeom prst="rect">
               <a:avLst/>
@@ -5134,8 +5428,8 @@
           </p:nvSpPr>
           <p:spPr>
             <a:xfrm>
-              <a:off x="4485027" y="5716377"/>
-              <a:ext cx="341821" cy="450421"/>
+              <a:off x="4485027" y="5193865"/>
+              <a:ext cx="341821" cy="391581"/>
             </a:xfrm>
             <a:prstGeom prst="rect">
               <a:avLst/>
@@ -5170,7 +5464,7 @@
           <p:spPr>
             <a:xfrm>
               <a:off x="5066698" y="1716581"/>
-              <a:ext cx="3873973" cy="4450217"/>
+              <a:ext cx="3873973" cy="3868864"/>
             </a:xfrm>
             <a:prstGeom prst="rect">
               <a:avLst/>
@@ -5195,7 +5489,7 @@
           </p:nvSpPr>
           <p:spPr>
             <a:xfrm>
-              <a:off x="5066698" y="6166799"/>
+              <a:off x="5066698" y="5585446"/>
               <a:ext cx="3873973" cy="0"/>
             </a:xfrm>
             <a:custGeom>
@@ -5238,7 +5532,7 @@
           </p:nvSpPr>
           <p:spPr>
             <a:xfrm>
-              <a:off x="5066698" y="5059845"/>
+              <a:off x="5066698" y="4623099"/>
               <a:ext cx="3873973" cy="0"/>
             </a:xfrm>
             <a:custGeom>
@@ -5281,7 +5575,7 @@
           </p:nvSpPr>
           <p:spPr>
             <a:xfrm>
-              <a:off x="5066698" y="3952891"/>
+              <a:off x="5066698" y="3660751"/>
               <a:ext cx="3873973" cy="0"/>
             </a:xfrm>
             <a:custGeom>
@@ -5324,7 +5618,7 @@
           </p:nvSpPr>
           <p:spPr>
             <a:xfrm>
-              <a:off x="5066698" y="2845937"/>
+              <a:off x="5066698" y="2698404"/>
               <a:ext cx="3873973" cy="0"/>
             </a:xfrm>
             <a:custGeom>
@@ -5367,7 +5661,7 @@
           </p:nvSpPr>
           <p:spPr>
             <a:xfrm>
-              <a:off x="5066698" y="1738983"/>
+              <a:off x="5066698" y="1736056"/>
               <a:ext cx="3873973" cy="0"/>
             </a:xfrm>
             <a:custGeom>
@@ -5410,8 +5704,8 @@
           </p:nvSpPr>
           <p:spPr>
             <a:xfrm>
-              <a:off x="5123668" y="6143304"/>
-              <a:ext cx="341821" cy="6017"/>
+              <a:off x="5123668" y="5565020"/>
+              <a:ext cx="341821" cy="5231"/>
             </a:xfrm>
             <a:prstGeom prst="rect">
               <a:avLst/>
@@ -5445,8 +5739,8 @@
           </p:nvSpPr>
           <p:spPr>
             <a:xfrm>
-              <a:off x="5123668" y="6149321"/>
-              <a:ext cx="341821" cy="17478"/>
+              <a:off x="5123668" y="5570251"/>
+              <a:ext cx="341821" cy="15194"/>
             </a:xfrm>
             <a:prstGeom prst="rect">
               <a:avLst/>
@@ -5480,8 +5774,8 @@
           </p:nvSpPr>
           <p:spPr>
             <a:xfrm>
-              <a:off x="5503470" y="6123533"/>
-              <a:ext cx="341821" cy="5444"/>
+              <a:off x="5503470" y="5547833"/>
+              <a:ext cx="341821" cy="4732"/>
             </a:xfrm>
             <a:prstGeom prst="rect">
               <a:avLst/>
@@ -5515,8 +5809,8 @@
           </p:nvSpPr>
           <p:spPr>
             <a:xfrm>
-              <a:off x="5503470" y="6128977"/>
-              <a:ext cx="341821" cy="37821"/>
+              <a:off x="5503470" y="5552565"/>
+              <a:ext cx="341821" cy="32880"/>
             </a:xfrm>
             <a:prstGeom prst="rect">
               <a:avLst/>
@@ -5550,8 +5844,8 @@
           </p:nvSpPr>
           <p:spPr>
             <a:xfrm>
-              <a:off x="5883271" y="6067087"/>
-              <a:ext cx="341821" cy="13180"/>
+              <a:off x="5883271" y="5498760"/>
+              <a:ext cx="341821" cy="11458"/>
             </a:xfrm>
             <a:prstGeom prst="rect">
               <a:avLst/>
@@ -5585,8 +5879,8 @@
           </p:nvSpPr>
           <p:spPr>
             <a:xfrm>
-              <a:off x="5883271" y="6080267"/>
-              <a:ext cx="341821" cy="86531"/>
+              <a:off x="5883271" y="5510219"/>
+              <a:ext cx="341821" cy="75227"/>
             </a:xfrm>
             <a:prstGeom prst="rect">
               <a:avLst/>
@@ -5620,8 +5914,8 @@
           </p:nvSpPr>
           <p:spPr>
             <a:xfrm>
-              <a:off x="6263072" y="6035856"/>
-              <a:ext cx="341821" cy="13180"/>
+              <a:off x="6263072" y="5471609"/>
+              <a:ext cx="341821" cy="11458"/>
             </a:xfrm>
             <a:prstGeom prst="rect">
               <a:avLst/>
@@ -5655,8 +5949,8 @@
           </p:nvSpPr>
           <p:spPr>
             <a:xfrm>
-              <a:off x="6263072" y="6049036"/>
-              <a:ext cx="341821" cy="117762"/>
+              <a:off x="6263072" y="5483067"/>
+              <a:ext cx="341821" cy="102379"/>
             </a:xfrm>
             <a:prstGeom prst="rect">
               <a:avLst/>
@@ -5690,8 +5984,8 @@
           </p:nvSpPr>
           <p:spPr>
             <a:xfrm>
-              <a:off x="6642874" y="5983708"/>
-              <a:ext cx="341821" cy="28366"/>
+              <a:off x="6642874" y="5426273"/>
+              <a:ext cx="341821" cy="24660"/>
             </a:xfrm>
             <a:prstGeom prst="rect">
               <a:avLst/>
@@ -5725,8 +6019,8 @@
           </p:nvSpPr>
           <p:spPr>
             <a:xfrm>
-              <a:off x="6642874" y="6012074"/>
-              <a:ext cx="341821" cy="154725"/>
+              <a:off x="6642874" y="5450934"/>
+              <a:ext cx="341821" cy="134512"/>
             </a:xfrm>
             <a:prstGeom prst="rect">
               <a:avLst/>
@@ -5760,8 +6054,8 @@
           </p:nvSpPr>
           <p:spPr>
             <a:xfrm>
-              <a:off x="7022675" y="5929840"/>
-              <a:ext cx="341821" cy="32377"/>
+              <a:off x="7022675" y="5379443"/>
+              <a:ext cx="341821" cy="28148"/>
             </a:xfrm>
             <a:prstGeom prst="rect">
               <a:avLst/>
@@ -5795,8 +6089,8 @@
           </p:nvSpPr>
           <p:spPr>
             <a:xfrm>
-              <a:off x="7022675" y="5962218"/>
-              <a:ext cx="341821" cy="204580"/>
+              <a:off x="7022675" y="5407591"/>
+              <a:ext cx="341821" cy="177855"/>
             </a:xfrm>
             <a:prstGeom prst="rect">
               <a:avLst/>
@@ -5830,8 +6124,8 @@
           </p:nvSpPr>
           <p:spPr>
             <a:xfrm>
-              <a:off x="7402476" y="5810931"/>
-              <a:ext cx="341821" cy="77649"/>
+              <a:off x="7402476" y="5276067"/>
+              <a:ext cx="341821" cy="67505"/>
             </a:xfrm>
             <a:prstGeom prst="rect">
               <a:avLst/>
@@ -5865,8 +6159,8 @@
           </p:nvSpPr>
           <p:spPr>
             <a:xfrm>
-              <a:off x="7402476" y="5888580"/>
-              <a:ext cx="341821" cy="278218"/>
+              <a:off x="7402476" y="5343573"/>
+              <a:ext cx="341821" cy="241873"/>
             </a:xfrm>
             <a:prstGeom prst="rect">
               <a:avLst/>
@@ -5900,8 +6194,8 @@
           </p:nvSpPr>
           <p:spPr>
             <a:xfrm>
-              <a:off x="7782278" y="5551910"/>
-              <a:ext cx="341821" cy="245267"/>
+              <a:off x="7782278" y="5050883"/>
+              <a:ext cx="341821" cy="213227"/>
             </a:xfrm>
             <a:prstGeom prst="rect">
               <a:avLst/>
@@ -5935,8 +6229,8 @@
           </p:nvSpPr>
           <p:spPr>
             <a:xfrm>
-              <a:off x="7782278" y="5797178"/>
-              <a:ext cx="341821" cy="369621"/>
+              <a:off x="7782278" y="5264111"/>
+              <a:ext cx="341821" cy="321335"/>
             </a:xfrm>
             <a:prstGeom prst="rect">
               <a:avLst/>
@@ -5970,8 +6264,8 @@
           </p:nvSpPr>
           <p:spPr>
             <a:xfrm>
-              <a:off x="8162079" y="5022693"/>
-              <a:ext cx="341821" cy="834942"/>
+              <a:off x="8162079" y="4590800"/>
+              <a:ext cx="341821" cy="725870"/>
             </a:xfrm>
             <a:prstGeom prst="rect">
               <a:avLst/>
@@ -6005,8 +6299,8 @@
           </p:nvSpPr>
           <p:spPr>
             <a:xfrm>
-              <a:off x="8162079" y="5857635"/>
-              <a:ext cx="341821" cy="309163"/>
+              <a:off x="8162079" y="5316670"/>
+              <a:ext cx="341821" cy="268776"/>
             </a:xfrm>
             <a:prstGeom prst="rect">
               <a:avLst/>
@@ -6040,8 +6334,8 @@
           </p:nvSpPr>
           <p:spPr>
             <a:xfrm>
-              <a:off x="8541880" y="4722698"/>
-              <a:ext cx="341821" cy="1180208"/>
+              <a:off x="8541880" y="4329995"/>
+              <a:ext cx="341821" cy="1026032"/>
             </a:xfrm>
             <a:prstGeom prst="rect">
               <a:avLst/>
@@ -6075,8 +6369,8 @@
           </p:nvSpPr>
           <p:spPr>
             <a:xfrm>
-              <a:off x="8541880" y="5902907"/>
-              <a:ext cx="341821" cy="263892"/>
+              <a:off x="8541880" y="5356028"/>
+              <a:ext cx="341821" cy="229418"/>
             </a:xfrm>
             <a:prstGeom prst="rect">
               <a:avLst/>
@@ -6254,7 +6548,7 @@
           </p:nvSpPr>
           <p:spPr>
             <a:xfrm>
-              <a:off x="1009845" y="6166799"/>
+              <a:off x="1009845" y="5585446"/>
               <a:ext cx="3873973" cy="0"/>
             </a:xfrm>
             <a:custGeom>
@@ -6294,7 +6588,7 @@
           </p:nvSpPr>
           <p:spPr>
             <a:xfrm>
-              <a:off x="1237726" y="6166799"/>
+              <a:off x="1237726" y="5585446"/>
               <a:ext cx="0" cy="56936"/>
             </a:xfrm>
             <a:custGeom>
@@ -6334,7 +6628,7 @@
           </p:nvSpPr>
           <p:spPr>
             <a:xfrm>
-              <a:off x="1617527" y="6166799"/>
+              <a:off x="1617527" y="5585446"/>
               <a:ext cx="0" cy="56936"/>
             </a:xfrm>
             <a:custGeom>
@@ -6374,7 +6668,7 @@
           </p:nvSpPr>
           <p:spPr>
             <a:xfrm>
-              <a:off x="1997328" y="6166799"/>
+              <a:off x="1997328" y="5585446"/>
               <a:ext cx="0" cy="56936"/>
             </a:xfrm>
             <a:custGeom>
@@ -6414,7 +6708,7 @@
           </p:nvSpPr>
           <p:spPr>
             <a:xfrm>
-              <a:off x="2377130" y="6166799"/>
+              <a:off x="2377130" y="5585446"/>
               <a:ext cx="0" cy="56936"/>
             </a:xfrm>
             <a:custGeom>
@@ -6454,7 +6748,7 @@
           </p:nvSpPr>
           <p:spPr>
             <a:xfrm>
-              <a:off x="2756931" y="6166799"/>
+              <a:off x="2756931" y="5585446"/>
               <a:ext cx="0" cy="56936"/>
             </a:xfrm>
             <a:custGeom>
@@ -6494,7 +6788,7 @@
           </p:nvSpPr>
           <p:spPr>
             <a:xfrm>
-              <a:off x="3136732" y="6166799"/>
+              <a:off x="3136732" y="5585446"/>
               <a:ext cx="0" cy="56936"/>
             </a:xfrm>
             <a:custGeom>
@@ -6534,7 +6828,7 @@
           </p:nvSpPr>
           <p:spPr>
             <a:xfrm>
-              <a:off x="3516534" y="6166799"/>
+              <a:off x="3516534" y="5585446"/>
               <a:ext cx="0" cy="56936"/>
             </a:xfrm>
             <a:custGeom>
@@ -6574,7 +6868,7 @@
           </p:nvSpPr>
           <p:spPr>
             <a:xfrm>
-              <a:off x="3896335" y="6166799"/>
+              <a:off x="3896335" y="5585446"/>
               <a:ext cx="0" cy="56936"/>
             </a:xfrm>
             <a:custGeom>
@@ -6614,7 +6908,7 @@
           </p:nvSpPr>
           <p:spPr>
             <a:xfrm>
-              <a:off x="4276136" y="6166799"/>
+              <a:off x="4276136" y="5585446"/>
               <a:ext cx="0" cy="56936"/>
             </a:xfrm>
             <a:custGeom>
@@ -6654,7 +6948,7 @@
           </p:nvSpPr>
           <p:spPr>
             <a:xfrm>
-              <a:off x="4655937" y="6166799"/>
+              <a:off x="4655937" y="5585446"/>
               <a:ext cx="0" cy="56936"/>
             </a:xfrm>
             <a:custGeom>
@@ -6694,7 +6988,7 @@
           </p:nvSpPr>
           <p:spPr>
             <a:xfrm>
-              <a:off x="1174158" y="6268615"/>
+              <a:off x="1174158" y="5687262"/>
               <a:ext cx="127136" cy="164306"/>
             </a:xfrm>
             <a:prstGeom prst="rect">
@@ -6740,7 +7034,7 @@
           </p:nvSpPr>
           <p:spPr>
             <a:xfrm>
-              <a:off x="1553959" y="6268615"/>
+              <a:off x="1553959" y="5687262"/>
               <a:ext cx="127136" cy="164306"/>
             </a:xfrm>
             <a:prstGeom prst="rect">
@@ -6786,7 +7080,7 @@
           </p:nvSpPr>
           <p:spPr>
             <a:xfrm>
-              <a:off x="1933760" y="6265713"/>
+              <a:off x="1933760" y="5684360"/>
               <a:ext cx="127136" cy="167208"/>
             </a:xfrm>
             <a:prstGeom prst="rect">
@@ -6832,7 +7126,7 @@
           </p:nvSpPr>
           <p:spPr>
             <a:xfrm>
-              <a:off x="2313561" y="6269285"/>
+              <a:off x="2313561" y="5687932"/>
               <a:ext cx="127136" cy="163636"/>
             </a:xfrm>
             <a:prstGeom prst="rect">
@@ -6878,7 +7172,7 @@
           </p:nvSpPr>
           <p:spPr>
             <a:xfrm>
-              <a:off x="2693363" y="6268726"/>
+              <a:off x="2693363" y="5687374"/>
               <a:ext cx="127136" cy="164194"/>
             </a:xfrm>
             <a:prstGeom prst="rect">
@@ -6924,7 +7218,7 @@
           </p:nvSpPr>
           <p:spPr>
             <a:xfrm>
-              <a:off x="3073164" y="6265824"/>
+              <a:off x="3073164" y="5684472"/>
               <a:ext cx="127136" cy="167096"/>
             </a:xfrm>
             <a:prstGeom prst="rect">
@@ -6970,7 +7264,7 @@
           </p:nvSpPr>
           <p:spPr>
             <a:xfrm>
-              <a:off x="3452965" y="6271405"/>
+              <a:off x="3452965" y="5690053"/>
               <a:ext cx="127136" cy="161515"/>
             </a:xfrm>
             <a:prstGeom prst="rect">
@@ -7016,7 +7310,7 @@
           </p:nvSpPr>
           <p:spPr>
             <a:xfrm>
-              <a:off x="3832767" y="6265824"/>
+              <a:off x="3832767" y="5684472"/>
               <a:ext cx="127136" cy="167096"/>
             </a:xfrm>
             <a:prstGeom prst="rect">
@@ -7062,7 +7356,7 @@
           </p:nvSpPr>
           <p:spPr>
             <a:xfrm>
-              <a:off x="4212568" y="6265824"/>
+              <a:off x="4212568" y="5684472"/>
               <a:ext cx="127136" cy="167096"/>
             </a:xfrm>
             <a:prstGeom prst="rect">
@@ -7108,7 +7402,7 @@
           </p:nvSpPr>
           <p:spPr>
             <a:xfrm>
-              <a:off x="4528801" y="6265824"/>
+              <a:off x="4528801" y="5684472"/>
               <a:ext cx="254272" cy="167096"/>
             </a:xfrm>
             <a:prstGeom prst="rect">
@@ -7154,7 +7448,7 @@
           </p:nvSpPr>
           <p:spPr>
             <a:xfrm>
-              <a:off x="5066698" y="6166799"/>
+              <a:off x="5066698" y="5585446"/>
               <a:ext cx="3873973" cy="0"/>
             </a:xfrm>
             <a:custGeom>
@@ -7194,7 +7488,7 @@
           </p:nvSpPr>
           <p:spPr>
             <a:xfrm>
-              <a:off x="5294579" y="6166799"/>
+              <a:off x="5294579" y="5585446"/>
               <a:ext cx="0" cy="56936"/>
             </a:xfrm>
             <a:custGeom>
@@ -7234,7 +7528,7 @@
           </p:nvSpPr>
           <p:spPr>
             <a:xfrm>
-              <a:off x="5674380" y="6166799"/>
+              <a:off x="5674380" y="5585446"/>
               <a:ext cx="0" cy="56936"/>
             </a:xfrm>
             <a:custGeom>
@@ -7274,7 +7568,7 @@
           </p:nvSpPr>
           <p:spPr>
             <a:xfrm>
-              <a:off x="6054182" y="6166799"/>
+              <a:off x="6054182" y="5585446"/>
               <a:ext cx="0" cy="56936"/>
             </a:xfrm>
             <a:custGeom>
@@ -7314,7 +7608,7 @@
           </p:nvSpPr>
           <p:spPr>
             <a:xfrm>
-              <a:off x="6433983" y="6166799"/>
+              <a:off x="6433983" y="5585446"/>
               <a:ext cx="0" cy="56936"/>
             </a:xfrm>
             <a:custGeom>
@@ -7354,7 +7648,7 @@
           </p:nvSpPr>
           <p:spPr>
             <a:xfrm>
-              <a:off x="6813784" y="6166799"/>
+              <a:off x="6813784" y="5585446"/>
               <a:ext cx="0" cy="56936"/>
             </a:xfrm>
             <a:custGeom>
@@ -7394,7 +7688,7 @@
           </p:nvSpPr>
           <p:spPr>
             <a:xfrm>
-              <a:off x="7193586" y="6166799"/>
+              <a:off x="7193586" y="5585446"/>
               <a:ext cx="0" cy="56936"/>
             </a:xfrm>
             <a:custGeom>
@@ -7434,7 +7728,7 @@
           </p:nvSpPr>
           <p:spPr>
             <a:xfrm>
-              <a:off x="7573387" y="6166799"/>
+              <a:off x="7573387" y="5585446"/>
               <a:ext cx="0" cy="56936"/>
             </a:xfrm>
             <a:custGeom>
@@ -7474,7 +7768,7 @@
           </p:nvSpPr>
           <p:spPr>
             <a:xfrm>
-              <a:off x="7953188" y="6166799"/>
+              <a:off x="7953188" y="5585446"/>
               <a:ext cx="0" cy="56936"/>
             </a:xfrm>
             <a:custGeom>
@@ -7514,7 +7808,7 @@
           </p:nvSpPr>
           <p:spPr>
             <a:xfrm>
-              <a:off x="8332989" y="6166799"/>
+              <a:off x="8332989" y="5585446"/>
               <a:ext cx="0" cy="56936"/>
             </a:xfrm>
             <a:custGeom>
@@ -7554,7 +7848,7 @@
           </p:nvSpPr>
           <p:spPr>
             <a:xfrm>
-              <a:off x="8712791" y="6166799"/>
+              <a:off x="8712791" y="5585446"/>
               <a:ext cx="0" cy="56936"/>
             </a:xfrm>
             <a:custGeom>
@@ -7594,7 +7888,7 @@
           </p:nvSpPr>
           <p:spPr>
             <a:xfrm>
-              <a:off x="5231011" y="6268615"/>
+              <a:off x="5231011" y="5687262"/>
               <a:ext cx="127136" cy="164306"/>
             </a:xfrm>
             <a:prstGeom prst="rect">
@@ -7640,7 +7934,7 @@
           </p:nvSpPr>
           <p:spPr>
             <a:xfrm>
-              <a:off x="5610812" y="6268615"/>
+              <a:off x="5610812" y="5687262"/>
               <a:ext cx="127136" cy="164306"/>
             </a:xfrm>
             <a:prstGeom prst="rect">
@@ -7686,7 +7980,7 @@
           </p:nvSpPr>
           <p:spPr>
             <a:xfrm>
-              <a:off x="5990613" y="6265713"/>
+              <a:off x="5990613" y="5684360"/>
               <a:ext cx="127136" cy="167208"/>
             </a:xfrm>
             <a:prstGeom prst="rect">
@@ -7732,7 +8026,7 @@
           </p:nvSpPr>
           <p:spPr>
             <a:xfrm>
-              <a:off x="6370415" y="6269285"/>
+              <a:off x="6370415" y="5687932"/>
               <a:ext cx="127136" cy="163636"/>
             </a:xfrm>
             <a:prstGeom prst="rect">
@@ -7778,7 +8072,7 @@
           </p:nvSpPr>
           <p:spPr>
             <a:xfrm>
-              <a:off x="6750216" y="6268726"/>
+              <a:off x="6750216" y="5687374"/>
               <a:ext cx="127136" cy="164194"/>
             </a:xfrm>
             <a:prstGeom prst="rect">
@@ -7824,7 +8118,7 @@
           </p:nvSpPr>
           <p:spPr>
             <a:xfrm>
-              <a:off x="7130017" y="6265824"/>
+              <a:off x="7130017" y="5684472"/>
               <a:ext cx="127136" cy="167096"/>
             </a:xfrm>
             <a:prstGeom prst="rect">
@@ -7870,7 +8164,7 @@
           </p:nvSpPr>
           <p:spPr>
             <a:xfrm>
-              <a:off x="7509819" y="6271405"/>
+              <a:off x="7509819" y="5690053"/>
               <a:ext cx="127136" cy="161515"/>
             </a:xfrm>
             <a:prstGeom prst="rect">
@@ -7916,7 +8210,7 @@
           </p:nvSpPr>
           <p:spPr>
             <a:xfrm>
-              <a:off x="7889620" y="6265824"/>
+              <a:off x="7889620" y="5684472"/>
               <a:ext cx="127136" cy="167096"/>
             </a:xfrm>
             <a:prstGeom prst="rect">
@@ -7962,7 +8256,7 @@
           </p:nvSpPr>
           <p:spPr>
             <a:xfrm>
-              <a:off x="8269421" y="6265824"/>
+              <a:off x="8269421" y="5684472"/>
               <a:ext cx="127136" cy="167096"/>
             </a:xfrm>
             <a:prstGeom prst="rect">
@@ -8008,7 +8302,7 @@
           </p:nvSpPr>
           <p:spPr>
             <a:xfrm>
-              <a:off x="8585654" y="6265824"/>
+              <a:off x="8585654" y="5684472"/>
               <a:ext cx="254272" cy="167096"/>
             </a:xfrm>
             <a:prstGeom prst="rect">
@@ -8054,7 +8348,7 @@
           </p:nvSpPr>
           <p:spPr>
             <a:xfrm>
-              <a:off x="780223" y="6081520"/>
+              <a:off x="780223" y="5500168"/>
               <a:ext cx="127136" cy="167096"/>
             </a:xfrm>
             <a:prstGeom prst="rect">
@@ -8100,7 +8394,7 @@
           </p:nvSpPr>
           <p:spPr>
             <a:xfrm>
-              <a:off x="81028" y="4944987"/>
+              <a:off x="81028" y="4508241"/>
               <a:ext cx="826330" cy="196676"/>
             </a:xfrm>
             <a:prstGeom prst="rect">
@@ -8146,7 +8440,7 @@
           </p:nvSpPr>
           <p:spPr>
             <a:xfrm>
-              <a:off x="81028" y="3838033"/>
+              <a:off x="81028" y="3545893"/>
               <a:ext cx="826330" cy="196676"/>
             </a:xfrm>
             <a:prstGeom prst="rect">
@@ -8192,7 +8486,7 @@
           </p:nvSpPr>
           <p:spPr>
             <a:xfrm>
-              <a:off x="81028" y="2731078"/>
+              <a:off x="81028" y="2583546"/>
               <a:ext cx="826330" cy="196676"/>
             </a:xfrm>
             <a:prstGeom prst="rect">
@@ -8238,7 +8532,7 @@
           </p:nvSpPr>
           <p:spPr>
             <a:xfrm>
-              <a:off x="81028" y="1624124"/>
+              <a:off x="81028" y="1621198"/>
               <a:ext cx="826330" cy="196676"/>
             </a:xfrm>
             <a:prstGeom prst="rect">
@@ -8284,7 +8578,7 @@
           </p:nvSpPr>
           <p:spPr>
             <a:xfrm>
-              <a:off x="3838007" y="6535287"/>
+              <a:off x="3838007" y="5953935"/>
               <a:ext cx="2274503" cy="166315"/>
             </a:xfrm>
             <a:prstGeom prst="rect">
@@ -8558,6 +8852,144 @@
                   <a:cs typeface="Arial"/>
                 </a:rPr>
                 <a:t>Voluntary only</a:t>
+              </a:r>
+            </a:p>
+          </p:txBody>
+        </p:sp>
+        <p:sp>
+          <p:nvSpPr>
+            <p:cNvPr id="118" name="tx116"/>
+            <p:cNvSpPr/>
+            <p:nvPr/>
+          </p:nvSpPr>
+          <p:spPr>
+            <a:xfrm>
+              <a:off x="81028" y="6329898"/>
+              <a:ext cx="8801380" cy="119067"/>
+            </a:xfrm>
+            <a:prstGeom prst="rect">
+              <a:avLst/>
+            </a:prstGeom>
+            <a:noFill/>
+          </p:spPr>
+          <p:txBody>
+            <a:bodyPr lIns="0" rIns="0" tIns="0" bIns="0" anchorCtr="1" anchor="ctr" wrap="none"/>
+            <a:lstStyle/>
+            <a:p>
+              <a:pPr algn="l" marL="0" marR="0" indent="0">
+                <a:lnSpc>
+                  <a:spcPts val="999"/>
+                </a:lnSpc>
+                <a:spcBef>
+                  <a:spcPts val="0"/>
+                </a:spcBef>
+                <a:spcAft>
+                  <a:spcPts val="0"/>
+                </a:spcAft>
+              </a:pPr>
+              <a:r>
+                <a:rPr sz="999" i="1">
+                  <a:solidFill>
+                    <a:srgbClr val="000000">
+                      <a:alpha val="100000"/>
+                    </a:srgbClr>
+                  </a:solidFill>
+                  <a:latin typeface="Arial"/>
+                  <a:cs typeface="Arial"/>
+                </a:rPr>
+                <a:t>Notes: Projections to 2020-21 assume 2% wage growth and 0% growth in the number of taxfilers from 2019-20 to 2020-21. Non-voluntary component means</a:t>
+              </a:r>
+            </a:p>
+          </p:txBody>
+        </p:sp>
+        <p:sp>
+          <p:nvSpPr>
+            <p:cNvPr id="119" name="tx117"/>
+            <p:cNvSpPr/>
+            <p:nvPr/>
+          </p:nvSpPr>
+          <p:spPr>
+            <a:xfrm>
+              <a:off x="81028" y="6468470"/>
+              <a:ext cx="3843359" cy="117518"/>
+            </a:xfrm>
+            <a:prstGeom prst="rect">
+              <a:avLst/>
+            </a:prstGeom>
+            <a:noFill/>
+          </p:spPr>
+          <p:txBody>
+            <a:bodyPr lIns="0" rIns="0" tIns="0" bIns="0" anchorCtr="1" anchor="ctr" wrap="none"/>
+            <a:lstStyle/>
+            <a:p>
+              <a:pPr algn="l" marL="0" marR="0" indent="0">
+                <a:lnSpc>
+                  <a:spcPts val="999"/>
+                </a:lnSpc>
+                <a:spcBef>
+                  <a:spcPts val="0"/>
+                </a:spcBef>
+                <a:spcAft>
+                  <a:spcPts val="0"/>
+                </a:spcAft>
+              </a:pPr>
+              <a:r>
+                <a:rPr sz="999" i="1">
+                  <a:solidFill>
+                    <a:srgbClr val="000000">
+                      <a:alpha val="100000"/>
+                    </a:srgbClr>
+                  </a:solidFill>
+                  <a:latin typeface="Arial"/>
+                  <a:cs typeface="Arial"/>
+                </a:rPr>
+                <a:t>employer contributions less reportable employer super contributions.</a:t>
+              </a:r>
+            </a:p>
+          </p:txBody>
+        </p:sp>
+        <p:sp>
+          <p:nvSpPr>
+            <p:cNvPr id="120" name="tx118"/>
+            <p:cNvSpPr/>
+            <p:nvPr/>
+          </p:nvSpPr>
+          <p:spPr>
+            <a:xfrm>
+              <a:off x="81028" y="6605431"/>
+              <a:ext cx="2094457" cy="117580"/>
+            </a:xfrm>
+            <a:prstGeom prst="rect">
+              <a:avLst/>
+            </a:prstGeom>
+            <a:noFill/>
+          </p:spPr>
+          <p:txBody>
+            <a:bodyPr lIns="0" rIns="0" tIns="0" bIns="0" anchorCtr="1" anchor="ctr" wrap="none"/>
+            <a:lstStyle/>
+            <a:p>
+              <a:pPr algn="l" marL="0" marR="0" indent="0">
+                <a:lnSpc>
+                  <a:spcPts val="999"/>
+                </a:lnSpc>
+                <a:spcBef>
+                  <a:spcPts val="0"/>
+                </a:spcBef>
+                <a:spcAft>
+                  <a:spcPts val="0"/>
+                </a:spcAft>
+              </a:pPr>
+              <a:r>
+                <a:rPr sz="999" i="1">
+                  <a:solidFill>
+                    <a:srgbClr val="000000">
+                      <a:alpha val="100000"/>
+                    </a:srgbClr>
+                  </a:solidFill>
+                  <a:latin typeface="Arial"/>
+                  <a:cs typeface="Arial"/>
+                </a:rPr>
+                <a:t>Source: ATO 2017-18 2% sample file</a:t>
               </a:r>
             </a:p>
           </p:txBody>
